--- a/InfoSec/PPTs/L1-CH01-Overview.pptx
+++ b/InfoSec/PPTs/L1-CH01-Overview.pptx
@@ -297,7 +297,7 @@
             <a:fld id="{999DDEF9-8F79-3F4A-8C1A-CB2E900DCD92}" type="datetimeFigureOut">
               <a:rPr lang="en-US" smtClean="0"/>
               <a:pPr/>
-              <a:t>4/22/2020</a:t>
+              <a:t>4/23/2020</a:t>
             </a:fld>
             <a:endParaRPr lang="en-US"/>
           </a:p>
@@ -7502,17 +7502,8 @@
               <a:rPr lang="en-US" dirty="0">
                 <a:latin typeface="+mj-lt"/>
               </a:rPr>
-              <a:t>Including network protocol vulnerabilities, such as those used for DoS </a:t>
-            </a:r>
-            <a:r>
-              <a:rPr lang="en-US" dirty="0" err="1">
-                <a:latin typeface="+mj-lt"/>
-              </a:rPr>
-              <a:t>attackes</a:t>
-            </a:r>
-            <a:endParaRPr lang="en-US" dirty="0">
-              <a:latin typeface="+mj-lt"/>
-            </a:endParaRPr>
+              <a:t>Including network protocol vulnerabilities, such as those used for DoS attacks</a:t>
+            </a:r>
           </a:p>
           <a:p>
             <a:pPr lvl="1"/>
@@ -7647,7 +7638,15 @@
           <a:p>
             <a:r>
               <a:rPr lang="en-US" dirty="0"/>
-              <a:t>Defense in depth is a concept used in Information security in which multiple layers of security controls (defense) are placed throughout the system.</a:t>
+              <a:t>Defense in depth is a concept used </a:t>
+            </a:r>
+            <a:r>
+              <a:rPr lang="en-US"/>
+              <a:t>in information </a:t>
+            </a:r>
+            <a:r>
+              <a:rPr lang="en-US" dirty="0"/>
+              <a:t>security in which multiple layers of security controls (defense) are placed throughout the system.</a:t>
             </a:r>
           </a:p>
           <a:p>

--- a/InfoSec/PPTs/L1-CH01-Overview.pptx
+++ b/InfoSec/PPTs/L1-CH01-Overview.pptx
@@ -297,7 +297,7 @@
             <a:fld id="{999DDEF9-8F79-3F4A-8C1A-CB2E900DCD92}" type="datetimeFigureOut">
               <a:rPr lang="en-US" smtClean="0"/>
               <a:pPr/>
-              <a:t>4/23/2020</a:t>
+              <a:t>5/4/2021</a:t>
             </a:fld>
             <a:endParaRPr lang="en-US"/>
           </a:p>
@@ -7338,7 +7338,15 @@
           <a:p>
             <a:r>
               <a:rPr lang="en-US" dirty="0"/>
-              <a:t>ZJU 2020</a:t>
+              <a:t>ZJU </a:t>
+            </a:r>
+            <a:r>
+              <a:rPr lang="en-US" dirty="0" smtClean="0"/>
+              <a:t>202</a:t>
+            </a:r>
+            <a:r>
+              <a:rPr lang="en-SE" smtClean="0"/>
+              <a:t>1</a:t>
             </a:r>
             <a:endParaRPr lang="en-SE" dirty="0"/>
           </a:p>

--- a/InfoSec/PPTs/L1-CH01-Overview.pptx
+++ b/InfoSec/PPTs/L1-CH01-Overview.pptx
@@ -297,7 +297,7 @@
             <a:fld id="{999DDEF9-8F79-3F4A-8C1A-CB2E900DCD92}" type="datetimeFigureOut">
               <a:rPr lang="en-US" smtClean="0"/>
               <a:pPr/>
-              <a:t>4/23/2020</a:t>
+              <a:t>5/4/2021</a:t>
             </a:fld>
             <a:endParaRPr lang="en-US"/>
           </a:p>
@@ -7337,8 +7337,8 @@
           <a:lstStyle/>
           <a:p>
             <a:r>
-              <a:rPr lang="en-US" dirty="0"/>
-              <a:t>ZJU 2020</a:t>
+              <a:rPr lang="en-US"/>
+              <a:t>ZJU 2021</a:t>
             </a:r>
             <a:endParaRPr lang="en-SE" dirty="0"/>
           </a:p>

--- a/InfoSec/PPTs/L1-CH01-Overview.pptx
+++ b/InfoSec/PPTs/L1-CH01-Overview.pptx
@@ -297,7 +297,7 @@
             <a:fld id="{999DDEF9-8F79-3F4A-8C1A-CB2E900DCD92}" type="datetimeFigureOut">
               <a:rPr lang="en-US" smtClean="0"/>
               <a:pPr/>
-              <a:t>5/4/2021</a:t>
+              <a:t>3/24/2022</a:t>
             </a:fld>
             <a:endParaRPr lang="en-US"/>
           </a:p>
@@ -7337,10 +7337,21 @@
           <a:lstStyle/>
           <a:p>
             <a:r>
-              <a:rPr lang="en-US"/>
-              <a:t>ZJU 2021</a:t>
-            </a:r>
-            <a:endParaRPr lang="en-SE" dirty="0"/>
+              <a:rPr lang="en-US" altLang="zh-CN" kern="0" dirty="0"/>
+              <a:t>Zonghua Gu</a:t>
+            </a:r>
+            <a:endParaRPr lang="en-US" kern="0" dirty="0"/>
+          </a:p>
+          <a:p>
+            <a:r>
+              <a:rPr lang="en-US" kern="0"/>
+              <a:t>2018</a:t>
+            </a:r>
+            <a:r>
+              <a:rPr lang="en-US" kern="0" dirty="0"/>
+              <a:t>, ZJU</a:t>
+            </a:r>
+            <a:endParaRPr lang="en-SE" kern="0" dirty="0"/>
           </a:p>
         </p:txBody>
       </p:sp>

--- a/InfoSec/PPTs/L1-CH01-Overview.pptx
+++ b/InfoSec/PPTs/L1-CH01-Overview.pptx
@@ -297,7 +297,7 @@
             <a:fld id="{999DDEF9-8F79-3F4A-8C1A-CB2E900DCD92}" type="datetimeFigureOut">
               <a:rPr lang="en-US" smtClean="0"/>
               <a:pPr/>
-              <a:t>3/24/2022</a:t>
+              <a:t>3/27/2022</a:t>
             </a:fld>
             <a:endParaRPr lang="en-US"/>
           </a:p>
@@ -7345,11 +7345,11 @@
           <a:p>
             <a:r>
               <a:rPr lang="en-US" kern="0"/>
-              <a:t>2018</a:t>
+              <a:t>2017, </a:t>
             </a:r>
             <a:r>
               <a:rPr lang="en-US" kern="0" dirty="0"/>
-              <a:t>, ZJU</a:t>
+              <a:t>ZJU</a:t>
             </a:r>
             <a:endParaRPr lang="en-SE" kern="0" dirty="0"/>
           </a:p>
